--- a/simple_gui_ardom_integration/Set up new Python interpreter.pptx
+++ b/simple_gui_ardom_integration/Set up new Python interpreter.pptx
@@ -8,10 +8,11 @@
     <p:sldId id="256" r:id="rId2"/>
     <p:sldId id="257" r:id="rId3"/>
     <p:sldId id="258" r:id="rId4"/>
-    <p:sldId id="259" r:id="rId5"/>
-    <p:sldId id="260" r:id="rId6"/>
-    <p:sldId id="261" r:id="rId7"/>
-    <p:sldId id="262" r:id="rId8"/>
+    <p:sldId id="263" r:id="rId5"/>
+    <p:sldId id="259" r:id="rId6"/>
+    <p:sldId id="260" r:id="rId7"/>
+    <p:sldId id="261" r:id="rId8"/>
+    <p:sldId id="262" r:id="rId9"/>
   </p:sldIdLst>
   <p:sldSz cx="12192000" cy="6858000"/>
   <p:notesSz cx="6858000" cy="9144000"/>
@@ -110,6 +111,11 @@
       </a:defRPr>
     </a:lvl9pPr>
   </p:defaultTextStyle>
+  <p:extLst>
+    <p:ext uri="{EFAFB233-063F-42B5-8137-9DF3F51BA10A}">
+      <p15:sldGuideLst xmlns:p15="http://schemas.microsoft.com/office/powerpoint/2012/main"/>
+    </p:ext>
+  </p:extLst>
 </p:presentation>
 </file>
 
@@ -262,7 +268,7 @@
           <a:p>
             <a:fld id="{164450D7-EDF3-42C7-B320-F8F2D4168C15}" type="datetimeFigureOut">
               <a:rPr lang="he-IL" smtClean="0"/>
-              <a:t>כ'/אב/תש"ף</a:t>
+              <a:t>כ"ח/אב/תש"ף</a:t>
             </a:fld>
             <a:endParaRPr lang="he-IL"/>
           </a:p>
@@ -462,7 +468,7 @@
           <a:p>
             <a:fld id="{164450D7-EDF3-42C7-B320-F8F2D4168C15}" type="datetimeFigureOut">
               <a:rPr lang="he-IL" smtClean="0"/>
-              <a:t>כ'/אב/תש"ף</a:t>
+              <a:t>כ"ח/אב/תש"ף</a:t>
             </a:fld>
             <a:endParaRPr lang="he-IL"/>
           </a:p>
@@ -672,7 +678,7 @@
           <a:p>
             <a:fld id="{164450D7-EDF3-42C7-B320-F8F2D4168C15}" type="datetimeFigureOut">
               <a:rPr lang="he-IL" smtClean="0"/>
-              <a:t>כ'/אב/תש"ף</a:t>
+              <a:t>כ"ח/אב/תש"ף</a:t>
             </a:fld>
             <a:endParaRPr lang="he-IL"/>
           </a:p>
@@ -872,7 +878,7 @@
           <a:p>
             <a:fld id="{164450D7-EDF3-42C7-B320-F8F2D4168C15}" type="datetimeFigureOut">
               <a:rPr lang="he-IL" smtClean="0"/>
-              <a:t>כ'/אב/תש"ף</a:t>
+              <a:t>כ"ח/אב/תש"ף</a:t>
             </a:fld>
             <a:endParaRPr lang="he-IL"/>
           </a:p>
@@ -1148,7 +1154,7 @@
           <a:p>
             <a:fld id="{164450D7-EDF3-42C7-B320-F8F2D4168C15}" type="datetimeFigureOut">
               <a:rPr lang="he-IL" smtClean="0"/>
-              <a:t>כ'/אב/תש"ף</a:t>
+              <a:t>כ"ח/אב/תש"ף</a:t>
             </a:fld>
             <a:endParaRPr lang="he-IL"/>
           </a:p>
@@ -1416,7 +1422,7 @@
           <a:p>
             <a:fld id="{164450D7-EDF3-42C7-B320-F8F2D4168C15}" type="datetimeFigureOut">
               <a:rPr lang="he-IL" smtClean="0"/>
-              <a:t>כ'/אב/תש"ף</a:t>
+              <a:t>כ"ח/אב/תש"ף</a:t>
             </a:fld>
             <a:endParaRPr lang="he-IL"/>
           </a:p>
@@ -1831,7 +1837,7 @@
           <a:p>
             <a:fld id="{164450D7-EDF3-42C7-B320-F8F2D4168C15}" type="datetimeFigureOut">
               <a:rPr lang="he-IL" smtClean="0"/>
-              <a:t>כ'/אב/תש"ף</a:t>
+              <a:t>כ"ח/אב/תש"ף</a:t>
             </a:fld>
             <a:endParaRPr lang="he-IL"/>
           </a:p>
@@ -1973,7 +1979,7 @@
           <a:p>
             <a:fld id="{164450D7-EDF3-42C7-B320-F8F2D4168C15}" type="datetimeFigureOut">
               <a:rPr lang="he-IL" smtClean="0"/>
-              <a:t>כ'/אב/תש"ף</a:t>
+              <a:t>כ"ח/אב/תש"ף</a:t>
             </a:fld>
             <a:endParaRPr lang="he-IL"/>
           </a:p>
@@ -2086,7 +2092,7 @@
           <a:p>
             <a:fld id="{164450D7-EDF3-42C7-B320-F8F2D4168C15}" type="datetimeFigureOut">
               <a:rPr lang="he-IL" smtClean="0"/>
-              <a:t>כ'/אב/תש"ף</a:t>
+              <a:t>כ"ח/אב/תש"ף</a:t>
             </a:fld>
             <a:endParaRPr lang="he-IL"/>
           </a:p>
@@ -2399,7 +2405,7 @@
           <a:p>
             <a:fld id="{164450D7-EDF3-42C7-B320-F8F2D4168C15}" type="datetimeFigureOut">
               <a:rPr lang="he-IL" smtClean="0"/>
-              <a:t>כ'/אב/תש"ף</a:t>
+              <a:t>כ"ח/אב/תש"ף</a:t>
             </a:fld>
             <a:endParaRPr lang="he-IL"/>
           </a:p>
@@ -2688,7 +2694,7 @@
           <a:p>
             <a:fld id="{164450D7-EDF3-42C7-B320-F8F2D4168C15}" type="datetimeFigureOut">
               <a:rPr lang="he-IL" smtClean="0"/>
-              <a:t>כ'/אב/תש"ף</a:t>
+              <a:t>כ"ח/אב/תש"ף</a:t>
             </a:fld>
             <a:endParaRPr lang="he-IL"/>
           </a:p>
@@ -2931,7 +2937,7 @@
           <a:p>
             <a:fld id="{164450D7-EDF3-42C7-B320-F8F2D4168C15}" type="datetimeFigureOut">
               <a:rPr lang="he-IL" smtClean="0"/>
-              <a:t>כ'/אב/תש"ף</a:t>
+              <a:t>כ"ח/אב/תש"ף</a:t>
             </a:fld>
             <a:endParaRPr lang="he-IL"/>
           </a:p>
@@ -3687,8 +3693,8 @@
         </p:blipFill>
         <p:spPr bwMode="auto">
           <a:xfrm>
-            <a:off x="2914650" y="2290763"/>
-            <a:ext cx="6362700" cy="3914775"/>
+            <a:off x="333375" y="1690687"/>
+            <a:ext cx="5317731" cy="3271837"/>
           </a:xfrm>
           <a:prstGeom prst="rect">
             <a:avLst/>
@@ -3735,17 +3741,79 @@
           <a:p>
             <a:r>
               <a:rPr lang="en-US" sz="2400" dirty="0"/>
-              <a:t>Finish installing python and make sure its </a:t>
+              <a:t>Make sure to check those following boxes:</a:t>
+            </a:r>
+            <a:endParaRPr lang="he-IL" sz="2400" dirty="0"/>
+          </a:p>
+        </p:txBody>
+      </p:sp>
+      <p:pic>
+        <p:nvPicPr>
+          <p:cNvPr id="5" name="Content Placeholder 3">
+            <a:extLst>
+              <a:ext uri="{FF2B5EF4-FFF2-40B4-BE49-F238E27FC236}">
+                <a16:creationId xmlns:a16="http://schemas.microsoft.com/office/drawing/2014/main" id="{362FDD44-A1D9-4DFA-AEB5-36B7054FE386}"/>
+              </a:ext>
+            </a:extLst>
+          </p:cNvPr>
+          <p:cNvPicPr>
+            <a:picLocks noGrp="1" noChangeAspect="1"/>
+          </p:cNvPicPr>
+          <p:nvPr/>
+        </p:nvPicPr>
+        <p:blipFill>
+          <a:blip r:embed="rId3"/>
+          <a:stretch>
+            <a:fillRect/>
+          </a:stretch>
+        </p:blipFill>
+        <p:spPr>
+          <a:xfrm>
+            <a:off x="6096000" y="1690688"/>
+            <a:ext cx="5329799" cy="3271837"/>
+          </a:xfrm>
+          <a:prstGeom prst="rect">
+            <a:avLst/>
+          </a:prstGeom>
+        </p:spPr>
+      </p:pic>
+      <p:sp>
+        <p:nvSpPr>
+          <p:cNvPr id="3" name="TextBox 2">
+            <a:extLst>
+              <a:ext uri="{FF2B5EF4-FFF2-40B4-BE49-F238E27FC236}">
+                <a16:creationId xmlns:a16="http://schemas.microsoft.com/office/drawing/2014/main" id="{FF2C9042-15B5-41F3-AC32-7DC41684351E}"/>
+              </a:ext>
+            </a:extLst>
+          </p:cNvPr>
+          <p:cNvSpPr txBox="1"/>
+          <p:nvPr/>
+        </p:nvSpPr>
+        <p:spPr>
+          <a:xfrm>
+            <a:off x="838200" y="5257800"/>
+            <a:ext cx="8467725" cy="461665"/>
+          </a:xfrm>
+          <a:prstGeom prst="rect">
+            <a:avLst/>
+          </a:prstGeom>
+          <a:noFill/>
+        </p:spPr>
+        <p:txBody>
+          <a:bodyPr wrap="square" rtlCol="1">
+            <a:spAutoFit/>
+          </a:bodyPr>
+          <a:lstStyle/>
+          <a:p>
+            <a:r>
+              <a:rPr lang="en-US" sz="2400" dirty="0"/>
+              <a:t>Then, click on </a:t>
             </a:r>
             <a:r>
               <a:rPr lang="en-US" sz="2400" b="1" dirty="0"/>
-              <a:t>added to path</a:t>
-            </a:r>
-            <a:r>
-              <a:rPr lang="en-US" sz="2400" dirty="0"/>
-              <a:t> (very important!)</a:t>
-            </a:r>
-            <a:endParaRPr lang="he-IL" sz="2400" dirty="0"/>
+              <a:t>‘Customize installation’</a:t>
+            </a:r>
+            <a:endParaRPr lang="he-IL" b="1" dirty="0"/>
           </a:p>
         </p:txBody>
       </p:sp>
@@ -3784,7 +3852,7 @@
           <p:cNvPr id="2" name="Title 1">
             <a:extLst>
               <a:ext uri="{FF2B5EF4-FFF2-40B4-BE49-F238E27FC236}">
-                <a16:creationId xmlns:a16="http://schemas.microsoft.com/office/drawing/2014/main" id="{B4513FFF-BC7D-4C63-B1EB-ED5B55E163E5}"/>
+                <a16:creationId xmlns:a16="http://schemas.microsoft.com/office/drawing/2014/main" id="{591C422B-E190-407B-91A6-F7090DAA08BE}"/>
               </a:ext>
             </a:extLst>
           </p:cNvPr>
@@ -3810,7 +3878,7 @@
             </a:r>
             <a:r>
               <a:rPr lang="en-US" dirty="0"/>
-              <a:t> step</a:t>
+              <a:t> Step</a:t>
             </a:r>
             <a:br>
               <a:rPr lang="en-US" dirty="0"/>
@@ -3819,17 +3887,57 @@
           </a:p>
         </p:txBody>
       </p:sp>
+      <p:sp>
+        <p:nvSpPr>
+          <p:cNvPr id="4" name="TextBox 3">
+            <a:extLst>
+              <a:ext uri="{FF2B5EF4-FFF2-40B4-BE49-F238E27FC236}">
+                <a16:creationId xmlns:a16="http://schemas.microsoft.com/office/drawing/2014/main" id="{1EF0767A-F64F-46B2-AEA6-091CFCF747C4}"/>
+              </a:ext>
+            </a:extLst>
+          </p:cNvPr>
+          <p:cNvSpPr txBox="1"/>
+          <p:nvPr/>
+        </p:nvSpPr>
+        <p:spPr>
+          <a:xfrm>
+            <a:off x="942975" y="1304925"/>
+            <a:ext cx="10344150" cy="461665"/>
+          </a:xfrm>
+          <a:prstGeom prst="rect">
+            <a:avLst/>
+          </a:prstGeom>
+          <a:noFill/>
+        </p:spPr>
+        <p:txBody>
+          <a:bodyPr wrap="square" rtlCol="1">
+            <a:spAutoFit/>
+          </a:bodyPr>
+          <a:lstStyle/>
+          <a:p>
+            <a:r>
+              <a:rPr lang="en-US" sz="2400" dirty="0"/>
+              <a:t>Make sure to check all the </a:t>
+            </a:r>
+            <a:r>
+              <a:rPr lang="en-US" sz="2400" b="1" dirty="0"/>
+              <a:t>following boxes:</a:t>
+            </a:r>
+            <a:endParaRPr lang="he-IL" sz="2400" b="1" dirty="0"/>
+          </a:p>
+        </p:txBody>
+      </p:sp>
       <p:pic>
         <p:nvPicPr>
-          <p:cNvPr id="5" name="Picture 4">
-            <a:extLst>
-              <a:ext uri="{FF2B5EF4-FFF2-40B4-BE49-F238E27FC236}">
-                <a16:creationId xmlns:a16="http://schemas.microsoft.com/office/drawing/2014/main" id="{6BB43314-4EC1-4D28-92A6-83951A5AC54A}"/>
+          <p:cNvPr id="5" name="Content Placeholder 3">
+            <a:extLst>
+              <a:ext uri="{FF2B5EF4-FFF2-40B4-BE49-F238E27FC236}">
+                <a16:creationId xmlns:a16="http://schemas.microsoft.com/office/drawing/2014/main" id="{8145A10E-2D99-4A38-ACC6-0083E8A56357}"/>
               </a:ext>
             </a:extLst>
           </p:cNvPr>
           <p:cNvPicPr>
-            <a:picLocks noChangeAspect="1"/>
+            <a:picLocks noGrp="1" noChangeAspect="1"/>
           </p:cNvPicPr>
           <p:nvPr/>
         </p:nvPicPr>
@@ -3841,80 +3949,48 @@
         </p:blipFill>
         <p:spPr>
           <a:xfrm>
-            <a:off x="7029305" y="1477919"/>
-            <a:ext cx="4762645" cy="5202439"/>
+            <a:off x="333375" y="2283295"/>
+            <a:ext cx="5391150" cy="3269780"/>
           </a:xfrm>
           <a:prstGeom prst="rect">
             <a:avLst/>
           </a:prstGeom>
         </p:spPr>
       </p:pic>
-      <p:sp>
-        <p:nvSpPr>
-          <p:cNvPr id="6" name="TextBox 5">
-            <a:extLst>
-              <a:ext uri="{FF2B5EF4-FFF2-40B4-BE49-F238E27FC236}">
-                <a16:creationId xmlns:a16="http://schemas.microsoft.com/office/drawing/2014/main" id="{79BC89A0-2F90-461F-B7A1-64F5F96D0CFA}"/>
-              </a:ext>
-            </a:extLst>
-          </p:cNvPr>
-          <p:cNvSpPr txBox="1"/>
+      <p:pic>
+        <p:nvPicPr>
+          <p:cNvPr id="6" name="Content Placeholder 3">
+            <a:extLst>
+              <a:ext uri="{FF2B5EF4-FFF2-40B4-BE49-F238E27FC236}">
+                <a16:creationId xmlns:a16="http://schemas.microsoft.com/office/drawing/2014/main" id="{919677D0-227C-416A-A492-3AF8CE9531F6}"/>
+              </a:ext>
+            </a:extLst>
+          </p:cNvPr>
+          <p:cNvPicPr>
+            <a:picLocks noGrp="1" noChangeAspect="1"/>
+          </p:cNvPicPr>
           <p:nvPr/>
-        </p:nvSpPr>
+        </p:nvPicPr>
+        <p:blipFill>
+          <a:blip r:embed="rId3"/>
+          <a:stretch>
+            <a:fillRect/>
+          </a:stretch>
+        </p:blipFill>
         <p:spPr>
           <a:xfrm>
-            <a:off x="447675" y="1381125"/>
-            <a:ext cx="6334125" cy="830997"/>
+            <a:off x="6324600" y="2283295"/>
+            <a:ext cx="5391150" cy="3310781"/>
           </a:xfrm>
           <a:prstGeom prst="rect">
             <a:avLst/>
           </a:prstGeom>
-          <a:noFill/>
         </p:spPr>
-        <p:txBody>
-          <a:bodyPr wrap="square" rtlCol="1">
-            <a:spAutoFit/>
-          </a:bodyPr>
-          <a:lstStyle/>
-          <a:p>
-            <a:r>
-              <a:rPr lang="en-US" sz="2400" dirty="0"/>
-              <a:t>Enter </a:t>
-            </a:r>
-            <a:r>
-              <a:rPr lang="en-US" sz="2400" b="1" dirty="0"/>
-              <a:t>‘Environment Variables‘</a:t>
-            </a:r>
-            <a:r>
-              <a:rPr lang="en-US" sz="2400" dirty="0"/>
-              <a:t> and click </a:t>
-            </a:r>
-            <a:r>
-              <a:rPr lang="en-US" sz="2400" b="1" dirty="0"/>
-              <a:t>‘Edit’</a:t>
-            </a:r>
-          </a:p>
-          <a:p>
-            <a:r>
-              <a:rPr lang="en-US" sz="2400" dirty="0"/>
-              <a:t>at </a:t>
-            </a:r>
-            <a:r>
-              <a:rPr lang="en-US" sz="2400" b="1" dirty="0"/>
-              <a:t>‘Path’</a:t>
-            </a:r>
-            <a:r>
-              <a:rPr lang="en-US" sz="2400" dirty="0"/>
-              <a:t> </a:t>
-            </a:r>
-            <a:endParaRPr lang="he-IL" sz="2400" dirty="0"/>
-          </a:p>
-        </p:txBody>
-      </p:sp>
+      </p:pic>
     </p:spTree>
     <p:extLst>
       <p:ext uri="{BB962C8B-B14F-4D97-AF65-F5344CB8AC3E}">
-        <p14:creationId xmlns:p14="http://schemas.microsoft.com/office/powerpoint/2010/main" val="1247028859"/>
+        <p14:creationId xmlns:p14="http://schemas.microsoft.com/office/powerpoint/2010/main" val="1945864677"/>
       </p:ext>
     </p:extLst>
   </p:cSld>
@@ -3946,7 +4022,7 @@
           <p:cNvPr id="2" name="Title 1">
             <a:extLst>
               <a:ext uri="{FF2B5EF4-FFF2-40B4-BE49-F238E27FC236}">
-                <a16:creationId xmlns:a16="http://schemas.microsoft.com/office/drawing/2014/main" id="{799555C4-E551-49F8-A341-8B3E34273490}"/>
+                <a16:creationId xmlns:a16="http://schemas.microsoft.com/office/drawing/2014/main" id="{B4513FFF-BC7D-4C63-B1EB-ED5B55E163E5}"/>
               </a:ext>
             </a:extLst>
           </p:cNvPr>
@@ -3965,6 +4041,168 @@
             <a:r>
               <a:rPr lang="en-US" dirty="0"/>
               <a:t>4</a:t>
+            </a:r>
+            <a:r>
+              <a:rPr lang="en-US" baseline="30000" dirty="0"/>
+              <a:t>th</a:t>
+            </a:r>
+            <a:r>
+              <a:rPr lang="en-US" dirty="0"/>
+              <a:t> step</a:t>
+            </a:r>
+            <a:br>
+              <a:rPr lang="en-US" dirty="0"/>
+            </a:br>
+            <a:endParaRPr lang="he-IL" dirty="0"/>
+          </a:p>
+        </p:txBody>
+      </p:sp>
+      <p:pic>
+        <p:nvPicPr>
+          <p:cNvPr id="5" name="Picture 4">
+            <a:extLst>
+              <a:ext uri="{FF2B5EF4-FFF2-40B4-BE49-F238E27FC236}">
+                <a16:creationId xmlns:a16="http://schemas.microsoft.com/office/drawing/2014/main" id="{6BB43314-4EC1-4D28-92A6-83951A5AC54A}"/>
+              </a:ext>
+            </a:extLst>
+          </p:cNvPr>
+          <p:cNvPicPr>
+            <a:picLocks noChangeAspect="1"/>
+          </p:cNvPicPr>
+          <p:nvPr/>
+        </p:nvPicPr>
+        <p:blipFill>
+          <a:blip r:embed="rId2"/>
+          <a:stretch>
+            <a:fillRect/>
+          </a:stretch>
+        </p:blipFill>
+        <p:spPr>
+          <a:xfrm>
+            <a:off x="7029305" y="1477919"/>
+            <a:ext cx="4762645" cy="5202439"/>
+          </a:xfrm>
+          <a:prstGeom prst="rect">
+            <a:avLst/>
+          </a:prstGeom>
+        </p:spPr>
+      </p:pic>
+      <p:sp>
+        <p:nvSpPr>
+          <p:cNvPr id="6" name="TextBox 5">
+            <a:extLst>
+              <a:ext uri="{FF2B5EF4-FFF2-40B4-BE49-F238E27FC236}">
+                <a16:creationId xmlns:a16="http://schemas.microsoft.com/office/drawing/2014/main" id="{79BC89A0-2F90-461F-B7A1-64F5F96D0CFA}"/>
+              </a:ext>
+            </a:extLst>
+          </p:cNvPr>
+          <p:cNvSpPr txBox="1"/>
+          <p:nvPr/>
+        </p:nvSpPr>
+        <p:spPr>
+          <a:xfrm>
+            <a:off x="447675" y="1381125"/>
+            <a:ext cx="6334125" cy="830997"/>
+          </a:xfrm>
+          <a:prstGeom prst="rect">
+            <a:avLst/>
+          </a:prstGeom>
+          <a:noFill/>
+        </p:spPr>
+        <p:txBody>
+          <a:bodyPr wrap="square" rtlCol="1">
+            <a:spAutoFit/>
+          </a:bodyPr>
+          <a:lstStyle/>
+          <a:p>
+            <a:r>
+              <a:rPr lang="en-US" sz="2400" dirty="0"/>
+              <a:t>Enter </a:t>
+            </a:r>
+            <a:r>
+              <a:rPr lang="en-US" sz="2400" b="1" dirty="0"/>
+              <a:t>‘Environment Variables‘</a:t>
+            </a:r>
+            <a:r>
+              <a:rPr lang="en-US" sz="2400" dirty="0"/>
+              <a:t> and click </a:t>
+            </a:r>
+            <a:r>
+              <a:rPr lang="en-US" sz="2400" b="1" dirty="0"/>
+              <a:t>‘Edit’</a:t>
+            </a:r>
+          </a:p>
+          <a:p>
+            <a:r>
+              <a:rPr lang="en-US" sz="2400" dirty="0"/>
+              <a:t>at </a:t>
+            </a:r>
+            <a:r>
+              <a:rPr lang="en-US" sz="2400" b="1" dirty="0"/>
+              <a:t>‘Path’</a:t>
+            </a:r>
+            <a:r>
+              <a:rPr lang="en-US" sz="2400" dirty="0"/>
+              <a:t> </a:t>
+            </a:r>
+            <a:endParaRPr lang="he-IL" sz="2400" dirty="0"/>
+          </a:p>
+        </p:txBody>
+      </p:sp>
+    </p:spTree>
+    <p:extLst>
+      <p:ext uri="{BB962C8B-B14F-4D97-AF65-F5344CB8AC3E}">
+        <p14:creationId xmlns:p14="http://schemas.microsoft.com/office/powerpoint/2010/main" val="1247028859"/>
+      </p:ext>
+    </p:extLst>
+  </p:cSld>
+  <p:clrMapOvr>
+    <a:masterClrMapping/>
+  </p:clrMapOvr>
+</p:sld>
+</file>
+
+<file path=ppt/slides/slide6.xml><?xml version="1.0" encoding="utf-8"?>
+<p:sld xmlns:a="http://schemas.openxmlformats.org/drawingml/2006/main" xmlns:r="http://schemas.openxmlformats.org/officeDocument/2006/relationships" xmlns:p="http://schemas.openxmlformats.org/presentationml/2006/main">
+  <p:cSld>
+    <p:spTree>
+      <p:nvGrpSpPr>
+        <p:cNvPr id="1" name=""/>
+        <p:cNvGrpSpPr/>
+        <p:nvPr/>
+      </p:nvGrpSpPr>
+      <p:grpSpPr>
+        <a:xfrm>
+          <a:off x="0" y="0"/>
+          <a:ext cx="0" cy="0"/>
+          <a:chOff x="0" y="0"/>
+          <a:chExt cx="0" cy="0"/>
+        </a:xfrm>
+      </p:grpSpPr>
+      <p:sp>
+        <p:nvSpPr>
+          <p:cNvPr id="2" name="Title 1">
+            <a:extLst>
+              <a:ext uri="{FF2B5EF4-FFF2-40B4-BE49-F238E27FC236}">
+                <a16:creationId xmlns:a16="http://schemas.microsoft.com/office/drawing/2014/main" id="{799555C4-E551-49F8-A341-8B3E34273490}"/>
+              </a:ext>
+            </a:extLst>
+          </p:cNvPr>
+          <p:cNvSpPr>
+            <a:spLocks noGrp="1"/>
+          </p:cNvSpPr>
+          <p:nvPr>
+            <p:ph type="title"/>
+          </p:nvPr>
+        </p:nvSpPr>
+        <p:spPr/>
+        <p:txBody>
+          <a:bodyPr/>
+          <a:lstStyle/>
+          <a:p>
+            <a:r>
+              <a:rPr lang="en-US" dirty="0"/>
+              <a:t>5</a:t>
             </a:r>
             <a:r>
               <a:rPr lang="en-US" baseline="30000" dirty="0"/>
@@ -4094,7 +4332,7 @@
 </p:sld>
 </file>
 
-<file path=ppt/slides/slide6.xml><?xml version="1.0" encoding="utf-8"?>
+<file path=ppt/slides/slide7.xml><?xml version="1.0" encoding="utf-8"?>
 <p:sld xmlns:a="http://schemas.openxmlformats.org/drawingml/2006/main" xmlns:r="http://schemas.openxmlformats.org/officeDocument/2006/relationships" xmlns:p="http://schemas.openxmlformats.org/presentationml/2006/main">
   <p:cSld>
     <p:spTree>
@@ -4134,7 +4372,7 @@
           <a:p>
             <a:r>
               <a:rPr lang="en-US" dirty="0"/>
-              <a:t>5</a:t>
+              <a:t>6</a:t>
             </a:r>
             <a:r>
               <a:rPr lang="en-US" baseline="30000" dirty="0"/>
@@ -4326,7 +4564,7 @@
 </p:sld>
 </file>
 
-<file path=ppt/slides/slide7.xml><?xml version="1.0" encoding="utf-8"?>
+<file path=ppt/slides/slide8.xml><?xml version="1.0" encoding="utf-8"?>
 <p:sld xmlns:a="http://schemas.openxmlformats.org/drawingml/2006/main" xmlns:r="http://schemas.openxmlformats.org/officeDocument/2006/relationships" xmlns:p="http://schemas.openxmlformats.org/presentationml/2006/main">
   <p:cSld>
     <p:spTree>
@@ -4366,7 +4604,7 @@
           <a:p>
             <a:r>
               <a:rPr lang="en-US" dirty="0"/>
-              <a:t>6</a:t>
+              <a:t>7</a:t>
             </a:r>
             <a:r>
               <a:rPr lang="en-US" baseline="30000" dirty="0"/>

--- a/simple_gui_ardom_integration/Set up new Python interpreter.pptx
+++ b/simple_gui_ardom_integration/Set up new Python interpreter.pptx
@@ -13,6 +13,9 @@
     <p:sldId id="260" r:id="rId7"/>
     <p:sldId id="261" r:id="rId8"/>
     <p:sldId id="262" r:id="rId9"/>
+    <p:sldId id="264" r:id="rId10"/>
+    <p:sldId id="265" r:id="rId11"/>
+    <p:sldId id="266" r:id="rId12"/>
   </p:sldIdLst>
   <p:sldSz cx="12192000" cy="6858000"/>
   <p:notesSz cx="6858000" cy="9144000"/>
@@ -3372,19 +3375,23 @@
         </p:nvSpPr>
         <p:spPr>
           <a:xfrm>
-            <a:off x="1524000" y="253999"/>
+            <a:off x="1523999" y="596899"/>
             <a:ext cx="9144000" cy="1223963"/>
           </a:xfrm>
         </p:spPr>
         <p:txBody>
           <a:bodyPr>
-            <a:normAutofit/>
+            <a:normAutofit fontScale="90000"/>
           </a:bodyPr>
           <a:lstStyle/>
           <a:p>
             <a:r>
               <a:rPr lang="en-US" sz="5400" dirty="0"/>
-              <a:t>Set up new Python interpreter</a:t>
+              <a:t>Set up new Python interpreter and </a:t>
+            </a:r>
+            <a:r>
+              <a:rPr lang="en-US" sz="5400" dirty="0" err="1"/>
+              <a:t>ZVPython</a:t>
             </a:r>
             <a:endParaRPr lang="he-IL" sz="5400" dirty="0"/>
           </a:p>
@@ -3450,6 +3457,324 @@
 </p:sld>
 </file>
 
+<file path=ppt/slides/slide10.xml><?xml version="1.0" encoding="utf-8"?>
+<p:sld xmlns:a="http://schemas.openxmlformats.org/drawingml/2006/main" xmlns:r="http://schemas.openxmlformats.org/officeDocument/2006/relationships" xmlns:p="http://schemas.openxmlformats.org/presentationml/2006/main">
+  <p:cSld>
+    <p:spTree>
+      <p:nvGrpSpPr>
+        <p:cNvPr id="1" name=""/>
+        <p:cNvGrpSpPr/>
+        <p:nvPr/>
+      </p:nvGrpSpPr>
+      <p:grpSpPr>
+        <a:xfrm>
+          <a:off x="0" y="0"/>
+          <a:ext cx="0" cy="0"/>
+          <a:chOff x="0" y="0"/>
+          <a:chExt cx="0" cy="0"/>
+        </a:xfrm>
+      </p:grpSpPr>
+      <p:sp>
+        <p:nvSpPr>
+          <p:cNvPr id="6" name="TextBox 5">
+            <a:extLst>
+              <a:ext uri="{FF2B5EF4-FFF2-40B4-BE49-F238E27FC236}">
+                <a16:creationId xmlns:a16="http://schemas.microsoft.com/office/drawing/2014/main" id="{C65BCD03-82C6-4959-B623-31E417FD306A}"/>
+              </a:ext>
+            </a:extLst>
+          </p:cNvPr>
+          <p:cNvSpPr txBox="1"/>
+          <p:nvPr/>
+        </p:nvSpPr>
+        <p:spPr>
+          <a:xfrm>
+            <a:off x="347133" y="304800"/>
+            <a:ext cx="11446934" cy="1477328"/>
+          </a:xfrm>
+          <a:prstGeom prst="rect">
+            <a:avLst/>
+          </a:prstGeom>
+          <a:noFill/>
+        </p:spPr>
+        <p:txBody>
+          <a:bodyPr wrap="square" rtlCol="1">
+            <a:spAutoFit/>
+          </a:bodyPr>
+          <a:lstStyle/>
+          <a:p>
+            <a:r>
+              <a:rPr lang="en-US" sz="1800" dirty="0"/>
+              <a:t>3</a:t>
+            </a:r>
+            <a:r>
+              <a:rPr lang="en-US" sz="1800" baseline="30000" dirty="0"/>
+              <a:t>rd</a:t>
+            </a:r>
+            <a:r>
+              <a:rPr lang="en-US" sz="1800" dirty="0"/>
+              <a:t> step – </a:t>
+            </a:r>
+            <a:r>
+              <a:rPr lang="en-US" sz="1800" b="1" dirty="0"/>
+              <a:t>Edit the ‘run.bat’ file (from outside the new version directory, marked in yellow) to point to the new version app. Then, lunch it by running th</a:t>
+            </a:r>
+            <a:r>
+              <a:rPr lang="en-US" b="1" dirty="0"/>
+              <a:t>e .</a:t>
+            </a:r>
+            <a:r>
+              <a:rPr lang="en-US" b="1" dirty="0" err="1"/>
+              <a:t>vbs</a:t>
+            </a:r>
+            <a:r>
+              <a:rPr lang="en-US" b="1" dirty="0"/>
+              <a:t> file marked in red.</a:t>
+            </a:r>
+          </a:p>
+          <a:p>
+            <a:endParaRPr lang="en-US" sz="1800" b="1" dirty="0"/>
+          </a:p>
+          <a:p>
+            <a:r>
+              <a:rPr lang="en-US" dirty="0"/>
+              <a:t>The .</a:t>
+            </a:r>
+            <a:r>
+              <a:rPr lang="en-US" dirty="0" err="1"/>
+              <a:t>vbs</a:t>
+            </a:r>
+            <a:r>
+              <a:rPr lang="en-US" dirty="0"/>
+              <a:t> file is running ‘run.bat’ without </a:t>
+            </a:r>
+            <a:r>
+              <a:rPr lang="en-US" dirty="0" err="1"/>
+              <a:t>cmd</a:t>
+            </a:r>
+            <a:r>
+              <a:rPr lang="en-US" dirty="0"/>
+              <a:t>, which then runs the .</a:t>
+            </a:r>
+            <a:r>
+              <a:rPr lang="en-US" dirty="0" err="1"/>
+              <a:t>vbs</a:t>
+            </a:r>
+            <a:r>
+              <a:rPr lang="en-US" dirty="0"/>
+              <a:t> file from inside the desired app-version folder, which then runs the .bat file that executes the app  </a:t>
+            </a:r>
+            <a:r>
+              <a:rPr lang="en-US" sz="1800" b="1" dirty="0"/>
+              <a:t> </a:t>
+            </a:r>
+            <a:endParaRPr lang="he-IL" dirty="0"/>
+          </a:p>
+        </p:txBody>
+      </p:sp>
+      <p:pic>
+        <p:nvPicPr>
+          <p:cNvPr id="13" name="Picture 12">
+            <a:extLst>
+              <a:ext uri="{FF2B5EF4-FFF2-40B4-BE49-F238E27FC236}">
+                <a16:creationId xmlns:a16="http://schemas.microsoft.com/office/drawing/2014/main" id="{FF73BF37-4EFE-4AC9-9AFE-FC3545EBB102}"/>
+              </a:ext>
+            </a:extLst>
+          </p:cNvPr>
+          <p:cNvPicPr>
+            <a:picLocks noChangeAspect="1"/>
+          </p:cNvPicPr>
+          <p:nvPr/>
+        </p:nvPicPr>
+        <p:blipFill>
+          <a:blip r:embed="rId2"/>
+          <a:stretch>
+            <a:fillRect/>
+          </a:stretch>
+        </p:blipFill>
+        <p:spPr>
+          <a:xfrm>
+            <a:off x="3555869" y="1930287"/>
+            <a:ext cx="5080261" cy="4369025"/>
+          </a:xfrm>
+          <a:prstGeom prst="rect">
+            <a:avLst/>
+          </a:prstGeom>
+        </p:spPr>
+      </p:pic>
+    </p:spTree>
+    <p:extLst>
+      <p:ext uri="{BB962C8B-B14F-4D97-AF65-F5344CB8AC3E}">
+        <p14:creationId xmlns:p14="http://schemas.microsoft.com/office/powerpoint/2010/main" val="2536079123"/>
+      </p:ext>
+    </p:extLst>
+  </p:cSld>
+  <p:clrMapOvr>
+    <a:masterClrMapping/>
+  </p:clrMapOvr>
+</p:sld>
+</file>
+
+<file path=ppt/slides/slide11.xml><?xml version="1.0" encoding="utf-8"?>
+<p:sld xmlns:a="http://schemas.openxmlformats.org/drawingml/2006/main" xmlns:r="http://schemas.openxmlformats.org/officeDocument/2006/relationships" xmlns:p="http://schemas.openxmlformats.org/presentationml/2006/main">
+  <p:cSld>
+    <p:spTree>
+      <p:nvGrpSpPr>
+        <p:cNvPr id="1" name=""/>
+        <p:cNvGrpSpPr/>
+        <p:nvPr/>
+      </p:nvGrpSpPr>
+      <p:grpSpPr>
+        <a:xfrm>
+          <a:off x="0" y="0"/>
+          <a:ext cx="0" cy="0"/>
+          <a:chOff x="0" y="0"/>
+          <a:chExt cx="0" cy="0"/>
+        </a:xfrm>
+      </p:grpSpPr>
+      <p:sp>
+        <p:nvSpPr>
+          <p:cNvPr id="2" name="Title 1">
+            <a:extLst>
+              <a:ext uri="{FF2B5EF4-FFF2-40B4-BE49-F238E27FC236}">
+                <a16:creationId xmlns:a16="http://schemas.microsoft.com/office/drawing/2014/main" id="{270796C3-D667-4744-A9E0-738E1953DF39}"/>
+              </a:ext>
+            </a:extLst>
+          </p:cNvPr>
+          <p:cNvSpPr>
+            <a:spLocks noGrp="1"/>
+          </p:cNvSpPr>
+          <p:nvPr>
+            <p:ph type="title"/>
+          </p:nvPr>
+        </p:nvSpPr>
+        <p:spPr/>
+        <p:txBody>
+          <a:bodyPr/>
+          <a:lstStyle/>
+          <a:p>
+            <a:r>
+              <a:rPr lang="en-US" dirty="0"/>
+              <a:t>Upgrade</a:t>
+            </a:r>
+            <a:r>
+              <a:rPr lang="en-US" sz="4400" dirty="0"/>
+              <a:t> the </a:t>
+            </a:r>
+            <a:r>
+              <a:rPr lang="en-US" sz="4400" dirty="0" err="1"/>
+              <a:t>ZVPython</a:t>
+            </a:r>
+            <a:r>
+              <a:rPr lang="en-US" sz="4400" dirty="0"/>
+              <a:t> app</a:t>
+            </a:r>
+            <a:endParaRPr lang="he-IL" dirty="0"/>
+          </a:p>
+        </p:txBody>
+      </p:sp>
+      <p:sp>
+        <p:nvSpPr>
+          <p:cNvPr id="4" name="TextBox 3">
+            <a:extLst>
+              <a:ext uri="{FF2B5EF4-FFF2-40B4-BE49-F238E27FC236}">
+                <a16:creationId xmlns:a16="http://schemas.microsoft.com/office/drawing/2014/main" id="{7C7DD579-A38B-4F9C-99E1-D8A245E19281}"/>
+              </a:ext>
+            </a:extLst>
+          </p:cNvPr>
+          <p:cNvSpPr txBox="1"/>
+          <p:nvPr/>
+        </p:nvSpPr>
+        <p:spPr>
+          <a:xfrm>
+            <a:off x="728133" y="1690688"/>
+            <a:ext cx="10007600" cy="1631216"/>
+          </a:xfrm>
+          <a:prstGeom prst="rect">
+            <a:avLst/>
+          </a:prstGeom>
+          <a:noFill/>
+        </p:spPr>
+        <p:txBody>
+          <a:bodyPr wrap="square" rtlCol="1">
+            <a:spAutoFit/>
+          </a:bodyPr>
+          <a:lstStyle/>
+          <a:p>
+            <a:r>
+              <a:rPr lang="en-US" sz="2000" dirty="0"/>
+              <a:t>1</a:t>
+            </a:r>
+            <a:r>
+              <a:rPr lang="en-US" sz="2000" baseline="30000" dirty="0"/>
+              <a:t>st</a:t>
+            </a:r>
+            <a:r>
+              <a:rPr lang="en-US" sz="2000" dirty="0"/>
+              <a:t>  step - </a:t>
+            </a:r>
+            <a:r>
+              <a:rPr lang="en-US" sz="2000" b="1" dirty="0"/>
+              <a:t>Update source code and requirements.txt file as needed</a:t>
+            </a:r>
+          </a:p>
+          <a:p>
+            <a:endParaRPr lang="en-US" sz="2000" b="1" dirty="0"/>
+          </a:p>
+          <a:p>
+            <a:r>
+              <a:rPr lang="en-US" sz="2000" dirty="0"/>
+              <a:t>2</a:t>
+            </a:r>
+            <a:r>
+              <a:rPr lang="en-US" sz="2000" baseline="30000" dirty="0"/>
+              <a:t>nd</a:t>
+            </a:r>
+            <a:r>
+              <a:rPr lang="en-US" sz="2000" dirty="0"/>
+              <a:t> step -</a:t>
+            </a:r>
+            <a:r>
+              <a:rPr lang="en-US" sz="2000" b="1" dirty="0"/>
+              <a:t> Modify ‘resetup.bat’ template as needed</a:t>
+            </a:r>
+          </a:p>
+          <a:p>
+            <a:endParaRPr lang="en-US" sz="2000" b="1" dirty="0"/>
+          </a:p>
+          <a:p>
+            <a:r>
+              <a:rPr lang="en-US" sz="2000" dirty="0"/>
+              <a:t>3</a:t>
+            </a:r>
+            <a:r>
+              <a:rPr lang="en-US" sz="2000" baseline="30000" dirty="0"/>
+              <a:t>rd</a:t>
+            </a:r>
+            <a:r>
+              <a:rPr lang="en-US" sz="2000" dirty="0"/>
+              <a:t> step -</a:t>
+            </a:r>
+            <a:r>
+              <a:rPr lang="en-US" sz="2000" b="1" dirty="0"/>
+              <a:t> Run ‘resetup.bat’ </a:t>
+            </a:r>
+            <a:endParaRPr lang="he-IL" sz="2000" b="1" dirty="0"/>
+          </a:p>
+        </p:txBody>
+      </p:sp>
+    </p:spTree>
+    <p:extLst>
+      <p:ext uri="{BB962C8B-B14F-4D97-AF65-F5344CB8AC3E}">
+        <p14:creationId xmlns:p14="http://schemas.microsoft.com/office/powerpoint/2010/main" val="1704473898"/>
+      </p:ext>
+    </p:extLst>
+  </p:cSld>
+  <p:clrMapOvr>
+    <a:masterClrMapping/>
+  </p:clrMapOvr>
+</p:sld>
+</file>
+
 <file path=ppt/slides/slide2.xml><?xml version="1.0" encoding="utf-8"?>
 <p:sld xmlns:a="http://schemas.openxmlformats.org/drawingml/2006/main" xmlns:r="http://schemas.openxmlformats.org/officeDocument/2006/relationships" xmlns:p="http://schemas.openxmlformats.org/presentationml/2006/main">
   <p:cSld>
@@ -3693,7 +4018,7 @@
         </p:blipFill>
         <p:spPr bwMode="auto">
           <a:xfrm>
-            <a:off x="333375" y="1690687"/>
+            <a:off x="333375" y="2147887"/>
             <a:ext cx="5317731" cy="3271837"/>
           </a:xfrm>
           <a:prstGeom prst="rect">
@@ -3725,8 +4050,8 @@
         </p:nvSpPr>
         <p:spPr>
           <a:xfrm>
-            <a:off x="990600" y="1104900"/>
-            <a:ext cx="9677400" cy="461665"/>
+            <a:off x="948267" y="979912"/>
+            <a:ext cx="9677400" cy="830997"/>
           </a:xfrm>
           <a:prstGeom prst="rect">
             <a:avLst/>
@@ -3741,7 +4066,19 @@
           <a:p>
             <a:r>
               <a:rPr lang="en-US" sz="2400" dirty="0"/>
-              <a:t>Make sure to check those following boxes:</a:t>
+              <a:t>Make sure to check those following boxes. </a:t>
+            </a:r>
+            <a:r>
+              <a:rPr lang="en-US" sz="2400" b="1" dirty="0"/>
+              <a:t>Then, click on</a:t>
+            </a:r>
+            <a:r>
+              <a:rPr lang="en-US" sz="2400" dirty="0"/>
+              <a:t> </a:t>
+            </a:r>
+            <a:r>
+              <a:rPr lang="en-US" sz="2400" b="1" dirty="0"/>
+              <a:t>‘Customize installation’</a:t>
             </a:r>
             <a:endParaRPr lang="he-IL" sz="2400" dirty="0"/>
           </a:p>
@@ -3769,7 +4106,7 @@
         </p:blipFill>
         <p:spPr>
           <a:xfrm>
-            <a:off x="6096000" y="1690688"/>
+            <a:off x="6096000" y="2147886"/>
             <a:ext cx="5329799" cy="3271837"/>
           </a:xfrm>
           <a:prstGeom prst="rect">
@@ -3779,10 +4116,102 @@
       </p:pic>
       <p:sp>
         <p:nvSpPr>
-          <p:cNvPr id="3" name="TextBox 2">
-            <a:extLst>
-              <a:ext uri="{FF2B5EF4-FFF2-40B4-BE49-F238E27FC236}">
-                <a16:creationId xmlns:a16="http://schemas.microsoft.com/office/drawing/2014/main" id="{FF2C9042-15B5-41F3-AC32-7DC41684351E}"/>
+          <p:cNvPr id="6" name="Rectangle 5">
+            <a:extLst>
+              <a:ext uri="{FF2B5EF4-FFF2-40B4-BE49-F238E27FC236}">
+                <a16:creationId xmlns:a16="http://schemas.microsoft.com/office/drawing/2014/main" id="{E9866F78-D644-4AA7-BBCB-EDAD71FD50EE}"/>
+              </a:ext>
+            </a:extLst>
+          </p:cNvPr>
+          <p:cNvSpPr/>
+          <p:nvPr/>
+        </p:nvSpPr>
+        <p:spPr>
+          <a:xfrm>
+            <a:off x="7484533" y="4961467"/>
+            <a:ext cx="2404534" cy="194733"/>
+          </a:xfrm>
+          <a:prstGeom prst="rect">
+            <a:avLst/>
+          </a:prstGeom>
+          <a:noFill/>
+          <a:ln w="28575">
+            <a:solidFill>
+              <a:srgbClr val="FF0000"/>
+            </a:solidFill>
+          </a:ln>
+        </p:spPr>
+        <p:style>
+          <a:lnRef idx="2">
+            <a:schemeClr val="accent6"/>
+          </a:lnRef>
+          <a:fillRef idx="1">
+            <a:schemeClr val="lt1"/>
+          </a:fillRef>
+          <a:effectRef idx="0">
+            <a:schemeClr val="accent6"/>
+          </a:effectRef>
+          <a:fontRef idx="minor">
+            <a:schemeClr val="dk1"/>
+          </a:fontRef>
+        </p:style>
+        <p:txBody>
+          <a:bodyPr rtlCol="1" anchor="ctr"/>
+          <a:lstStyle/>
+          <a:p>
+            <a:pPr algn="ctr"/>
+            <a:endParaRPr lang="he-IL"/>
+          </a:p>
+        </p:txBody>
+      </p:sp>
+      <p:cxnSp>
+        <p:nvCxnSpPr>
+          <p:cNvPr id="8" name="Straight Arrow Connector 7">
+            <a:extLst>
+              <a:ext uri="{FF2B5EF4-FFF2-40B4-BE49-F238E27FC236}">
+                <a16:creationId xmlns:a16="http://schemas.microsoft.com/office/drawing/2014/main" id="{0B3FC48D-38BC-477E-BB26-54960344AD1F}"/>
+              </a:ext>
+            </a:extLst>
+          </p:cNvPr>
+          <p:cNvCxnSpPr/>
+          <p:nvPr/>
+        </p:nvCxnSpPr>
+        <p:spPr>
+          <a:xfrm flipH="1">
+            <a:off x="10016067" y="4334933"/>
+            <a:ext cx="787400" cy="508000"/>
+          </a:xfrm>
+          <a:prstGeom prst="straightConnector1">
+            <a:avLst/>
+          </a:prstGeom>
+          <a:ln w="38100">
+            <a:solidFill>
+              <a:srgbClr val="FF0000"/>
+            </a:solidFill>
+            <a:tailEnd type="triangle"/>
+          </a:ln>
+        </p:spPr>
+        <p:style>
+          <a:lnRef idx="1">
+            <a:schemeClr val="accent1"/>
+          </a:lnRef>
+          <a:fillRef idx="0">
+            <a:schemeClr val="accent1"/>
+          </a:fillRef>
+          <a:effectRef idx="0">
+            <a:schemeClr val="accent1"/>
+          </a:effectRef>
+          <a:fontRef idx="minor">
+            <a:schemeClr val="tx1"/>
+          </a:fontRef>
+        </p:style>
+      </p:cxnSp>
+      <p:sp>
+        <p:nvSpPr>
+          <p:cNvPr id="9" name="TextBox 8">
+            <a:extLst>
+              <a:ext uri="{FF2B5EF4-FFF2-40B4-BE49-F238E27FC236}">
+                <a16:creationId xmlns:a16="http://schemas.microsoft.com/office/drawing/2014/main" id="{90C6E113-65E5-4843-AD91-40545570279D}"/>
               </a:ext>
             </a:extLst>
           </p:cNvPr>
@@ -3791,8 +4220,8 @@
         </p:nvSpPr>
         <p:spPr>
           <a:xfrm>
-            <a:off x="838200" y="5257800"/>
-            <a:ext cx="8467725" cy="461665"/>
+            <a:off x="10168467" y="3699933"/>
+            <a:ext cx="1896533" cy="584775"/>
           </a:xfrm>
           <a:prstGeom prst="rect">
             <a:avLst/>
@@ -3806,14 +4235,18 @@
           <a:lstStyle/>
           <a:p>
             <a:r>
-              <a:rPr lang="en-US" sz="2400" dirty="0"/>
-              <a:t>Then, click on </a:t>
-            </a:r>
-            <a:r>
-              <a:rPr lang="en-US" sz="2400" b="1" dirty="0"/>
-              <a:t>‘Customize installation’</a:t>
-            </a:r>
-            <a:endParaRPr lang="he-IL" b="1" dirty="0"/>
+              <a:rPr lang="en-US" sz="1600" dirty="0">
+                <a:solidFill>
+                  <a:srgbClr val="FF0000"/>
+                </a:solidFill>
+              </a:rPr>
+              <a:t>Make sure to enable this option too!</a:t>
+            </a:r>
+            <a:endParaRPr lang="he-IL" sz="1600" dirty="0">
+              <a:solidFill>
+                <a:srgbClr val="FF0000"/>
+              </a:solidFill>
+            </a:endParaRPr>
           </a:p>
         </p:txBody>
       </p:sp>
@@ -3921,7 +4354,15 @@
             </a:r>
             <a:r>
               <a:rPr lang="en-US" sz="2400" b="1" dirty="0"/>
-              <a:t>following boxes:</a:t>
+              <a:t>following boxes</a:t>
+            </a:r>
+            <a:r>
+              <a:rPr lang="en-US" sz="2400" dirty="0"/>
+              <a:t>, then, click </a:t>
+            </a:r>
+            <a:r>
+              <a:rPr lang="en-US" sz="2400" b="1" dirty="0"/>
+              <a:t>‘Install’</a:t>
             </a:r>
             <a:endParaRPr lang="he-IL" sz="2400" b="1" dirty="0"/>
           </a:p>
@@ -3987,6 +4428,176 @@
           </a:prstGeom>
         </p:spPr>
       </p:pic>
+      <p:sp>
+        <p:nvSpPr>
+          <p:cNvPr id="3" name="Rectangle 2">
+            <a:extLst>
+              <a:ext uri="{FF2B5EF4-FFF2-40B4-BE49-F238E27FC236}">
+                <a16:creationId xmlns:a16="http://schemas.microsoft.com/office/drawing/2014/main" id="{9727CE02-0809-44B7-8943-44FCC4C55FE5}"/>
+              </a:ext>
+            </a:extLst>
+          </p:cNvPr>
+          <p:cNvSpPr/>
+          <p:nvPr/>
+        </p:nvSpPr>
+        <p:spPr>
+          <a:xfrm>
+            <a:off x="4174067" y="5240867"/>
+            <a:ext cx="736600" cy="237066"/>
+          </a:xfrm>
+          <a:prstGeom prst="rect">
+            <a:avLst/>
+          </a:prstGeom>
+          <a:noFill/>
+          <a:ln w="28575">
+            <a:solidFill>
+              <a:srgbClr val="FF0000"/>
+            </a:solidFill>
+          </a:ln>
+        </p:spPr>
+        <p:style>
+          <a:lnRef idx="2">
+            <a:schemeClr val="accent1">
+              <a:shade val="50000"/>
+            </a:schemeClr>
+          </a:lnRef>
+          <a:fillRef idx="1">
+            <a:schemeClr val="accent1"/>
+          </a:fillRef>
+          <a:effectRef idx="0">
+            <a:schemeClr val="accent1"/>
+          </a:effectRef>
+          <a:fontRef idx="minor">
+            <a:schemeClr val="lt1"/>
+          </a:fontRef>
+        </p:style>
+        <p:txBody>
+          <a:bodyPr rtlCol="1" anchor="ctr"/>
+          <a:lstStyle/>
+          <a:p>
+            <a:pPr algn="ctr"/>
+            <a:endParaRPr lang="he-IL"/>
+          </a:p>
+        </p:txBody>
+      </p:sp>
+      <p:cxnSp>
+        <p:nvCxnSpPr>
+          <p:cNvPr id="8" name="Straight Arrow Connector 7">
+            <a:extLst>
+              <a:ext uri="{FF2B5EF4-FFF2-40B4-BE49-F238E27FC236}">
+                <a16:creationId xmlns:a16="http://schemas.microsoft.com/office/drawing/2014/main" id="{A1603289-7638-4EA9-8D1B-D7808B08CB84}"/>
+              </a:ext>
+            </a:extLst>
+          </p:cNvPr>
+          <p:cNvCxnSpPr/>
+          <p:nvPr/>
+        </p:nvCxnSpPr>
+        <p:spPr>
+          <a:xfrm flipV="1">
+            <a:off x="2531533" y="5376333"/>
+            <a:ext cx="1498600" cy="491067"/>
+          </a:xfrm>
+          <a:prstGeom prst="straightConnector1">
+            <a:avLst/>
+          </a:prstGeom>
+          <a:ln w="38100">
+            <a:solidFill>
+              <a:srgbClr val="FF0000"/>
+            </a:solidFill>
+            <a:tailEnd type="triangle"/>
+          </a:ln>
+        </p:spPr>
+        <p:style>
+          <a:lnRef idx="1">
+            <a:schemeClr val="accent2"/>
+          </a:lnRef>
+          <a:fillRef idx="0">
+            <a:schemeClr val="accent2"/>
+          </a:fillRef>
+          <a:effectRef idx="0">
+            <a:schemeClr val="accent2"/>
+          </a:effectRef>
+          <a:fontRef idx="minor">
+            <a:schemeClr val="tx1"/>
+          </a:fontRef>
+        </p:style>
+      </p:cxnSp>
+      <p:sp>
+        <p:nvSpPr>
+          <p:cNvPr id="9" name="TextBox 8">
+            <a:extLst>
+              <a:ext uri="{FF2B5EF4-FFF2-40B4-BE49-F238E27FC236}">
+                <a16:creationId xmlns:a16="http://schemas.microsoft.com/office/drawing/2014/main" id="{1942BB82-E6D3-4838-B55E-980BCFA75968}"/>
+              </a:ext>
+            </a:extLst>
+          </p:cNvPr>
+          <p:cNvSpPr txBox="1"/>
+          <p:nvPr/>
+        </p:nvSpPr>
+        <p:spPr>
+          <a:xfrm>
+            <a:off x="333375" y="5731933"/>
+            <a:ext cx="2782358" cy="584775"/>
+          </a:xfrm>
+          <a:prstGeom prst="rect">
+            <a:avLst/>
+          </a:prstGeom>
+          <a:noFill/>
+        </p:spPr>
+        <p:txBody>
+          <a:bodyPr wrap="square" rtlCol="1">
+            <a:spAutoFit/>
+          </a:bodyPr>
+          <a:lstStyle/>
+          <a:p>
+            <a:r>
+              <a:rPr lang="en-US" sz="1600" dirty="0">
+                <a:solidFill>
+                  <a:srgbClr val="FF0000"/>
+                </a:solidFill>
+              </a:rPr>
+              <a:t>Click </a:t>
+            </a:r>
+            <a:r>
+              <a:rPr lang="en-US" sz="1600" b="1" dirty="0">
+                <a:solidFill>
+                  <a:srgbClr val="FF0000"/>
+                </a:solidFill>
+              </a:rPr>
+              <a:t>‘Next’ </a:t>
+            </a:r>
+            <a:r>
+              <a:rPr lang="en-US" sz="1600" dirty="0">
+                <a:solidFill>
+                  <a:srgbClr val="FF0000"/>
+                </a:solidFill>
+              </a:rPr>
+              <a:t>to get to the </a:t>
+            </a:r>
+            <a:r>
+              <a:rPr lang="en-US" sz="1600" b="1" dirty="0">
+                <a:solidFill>
+                  <a:srgbClr val="FF0000"/>
+                </a:solidFill>
+              </a:rPr>
+              <a:t>‘Advanced Options’ </a:t>
+            </a:r>
+            <a:r>
+              <a:rPr lang="en-US" sz="1600" dirty="0">
+                <a:solidFill>
+                  <a:srgbClr val="FF0000"/>
+                </a:solidFill>
+              </a:rPr>
+              <a:t>screen</a:t>
+            </a:r>
+            <a:endParaRPr lang="he-IL" sz="1600" b="1" dirty="0">
+              <a:solidFill>
+                <a:srgbClr val="FF0000"/>
+              </a:solidFill>
+            </a:endParaRPr>
+          </a:p>
+        </p:txBody>
+      </p:sp>
     </p:spTree>
     <p:extLst>
       <p:ext uri="{BB962C8B-B14F-4D97-AF65-F5344CB8AC3E}">
@@ -4057,12 +4668,78 @@
           </a:p>
         </p:txBody>
       </p:sp>
+      <p:sp>
+        <p:nvSpPr>
+          <p:cNvPr id="6" name="TextBox 5">
+            <a:extLst>
+              <a:ext uri="{FF2B5EF4-FFF2-40B4-BE49-F238E27FC236}">
+                <a16:creationId xmlns:a16="http://schemas.microsoft.com/office/drawing/2014/main" id="{79BC89A0-2F90-461F-B7A1-64F5F96D0CFA}"/>
+              </a:ext>
+            </a:extLst>
+          </p:cNvPr>
+          <p:cNvSpPr txBox="1"/>
+          <p:nvPr/>
+        </p:nvSpPr>
+        <p:spPr>
+          <a:xfrm>
+            <a:off x="447675" y="1381125"/>
+            <a:ext cx="6334125" cy="830997"/>
+          </a:xfrm>
+          <a:prstGeom prst="rect">
+            <a:avLst/>
+          </a:prstGeom>
+          <a:noFill/>
+        </p:spPr>
+        <p:txBody>
+          <a:bodyPr wrap="square" rtlCol="1">
+            <a:spAutoFit/>
+          </a:bodyPr>
+          <a:lstStyle/>
+          <a:p>
+            <a:r>
+              <a:rPr lang="en-US" sz="2400" dirty="0"/>
+              <a:t>Enter </a:t>
+            </a:r>
+            <a:r>
+              <a:rPr lang="en-US" sz="2400" b="1" dirty="0"/>
+              <a:t>‘Environment Variables‘</a:t>
+            </a:r>
+            <a:r>
+              <a:rPr lang="en-US" sz="2400" dirty="0"/>
+              <a:t> and click </a:t>
+            </a:r>
+            <a:r>
+              <a:rPr lang="en-US" sz="2400" b="1" dirty="0"/>
+              <a:t>‘Edit’</a:t>
+            </a:r>
+          </a:p>
+          <a:p>
+            <a:r>
+              <a:rPr lang="en-US" sz="2400" dirty="0"/>
+              <a:t>at </a:t>
+            </a:r>
+            <a:r>
+              <a:rPr lang="en-US" sz="2400" b="1" dirty="0"/>
+              <a:t>‘Path’</a:t>
+            </a:r>
+            <a:r>
+              <a:rPr lang="en-US" sz="2400" dirty="0"/>
+              <a:t> under </a:t>
+            </a:r>
+            <a:r>
+              <a:rPr lang="en-US" sz="2400" b="1" dirty="0"/>
+              <a:t>‘System variables’</a:t>
+            </a:r>
+            <a:endParaRPr lang="he-IL" sz="2400" dirty="0"/>
+          </a:p>
+        </p:txBody>
+      </p:sp>
       <p:pic>
         <p:nvPicPr>
-          <p:cNvPr id="5" name="Picture 4">
-            <a:extLst>
-              <a:ext uri="{FF2B5EF4-FFF2-40B4-BE49-F238E27FC236}">
-                <a16:creationId xmlns:a16="http://schemas.microsoft.com/office/drawing/2014/main" id="{6BB43314-4EC1-4D28-92A6-83951A5AC54A}"/>
+          <p:cNvPr id="4" name="Picture 3">
+            <a:extLst>
+              <a:ext uri="{FF2B5EF4-FFF2-40B4-BE49-F238E27FC236}">
+                <a16:creationId xmlns:a16="http://schemas.microsoft.com/office/drawing/2014/main" id="{B1EAA71B-2E56-452D-A2D0-A162177291D2}"/>
               </a:ext>
             </a:extLst>
           </p:cNvPr>
@@ -4079,76 +4756,14 @@
         </p:blipFill>
         <p:spPr>
           <a:xfrm>
-            <a:off x="7029305" y="1477919"/>
-            <a:ext cx="4762645" cy="5202439"/>
+            <a:off x="6468534" y="649257"/>
+            <a:ext cx="5164666" cy="5687524"/>
           </a:xfrm>
           <a:prstGeom prst="rect">
             <a:avLst/>
           </a:prstGeom>
         </p:spPr>
       </p:pic>
-      <p:sp>
-        <p:nvSpPr>
-          <p:cNvPr id="6" name="TextBox 5">
-            <a:extLst>
-              <a:ext uri="{FF2B5EF4-FFF2-40B4-BE49-F238E27FC236}">
-                <a16:creationId xmlns:a16="http://schemas.microsoft.com/office/drawing/2014/main" id="{79BC89A0-2F90-461F-B7A1-64F5F96D0CFA}"/>
-              </a:ext>
-            </a:extLst>
-          </p:cNvPr>
-          <p:cNvSpPr txBox="1"/>
-          <p:nvPr/>
-        </p:nvSpPr>
-        <p:spPr>
-          <a:xfrm>
-            <a:off x="447675" y="1381125"/>
-            <a:ext cx="6334125" cy="830997"/>
-          </a:xfrm>
-          <a:prstGeom prst="rect">
-            <a:avLst/>
-          </a:prstGeom>
-          <a:noFill/>
-        </p:spPr>
-        <p:txBody>
-          <a:bodyPr wrap="square" rtlCol="1">
-            <a:spAutoFit/>
-          </a:bodyPr>
-          <a:lstStyle/>
-          <a:p>
-            <a:r>
-              <a:rPr lang="en-US" sz="2400" dirty="0"/>
-              <a:t>Enter </a:t>
-            </a:r>
-            <a:r>
-              <a:rPr lang="en-US" sz="2400" b="1" dirty="0"/>
-              <a:t>‘Environment Variables‘</a:t>
-            </a:r>
-            <a:r>
-              <a:rPr lang="en-US" sz="2400" dirty="0"/>
-              <a:t> and click </a:t>
-            </a:r>
-            <a:r>
-              <a:rPr lang="en-US" sz="2400" b="1" dirty="0"/>
-              <a:t>‘Edit’</a:t>
-            </a:r>
-          </a:p>
-          <a:p>
-            <a:r>
-              <a:rPr lang="en-US" sz="2400" dirty="0"/>
-              <a:t>at </a:t>
-            </a:r>
-            <a:r>
-              <a:rPr lang="en-US" sz="2400" b="1" dirty="0"/>
-              <a:t>‘Path’</a:t>
-            </a:r>
-            <a:r>
-              <a:rPr lang="en-US" sz="2400" dirty="0"/>
-              <a:t> </a:t>
-            </a:r>
-            <a:endParaRPr lang="he-IL" sz="2400" dirty="0"/>
-          </a:p>
-        </p:txBody>
-      </p:sp>
     </p:spTree>
     <p:extLst>
       <p:ext uri="{BB962C8B-B14F-4D97-AF65-F5344CB8AC3E}">
@@ -4465,7 +5080,7 @@
             </a:r>
             <a:r>
               <a:rPr lang="en-US" sz="2400" b="1" dirty="0"/>
-              <a:t>rename the new one pythonX.X.exe</a:t>
+              <a:t>rename the new one as you wish, preferably pythonXX.exe</a:t>
             </a:r>
             <a:r>
               <a:rPr lang="en-US" sz="2400" dirty="0"/>
@@ -4665,7 +5280,7 @@
         </p:nvSpPr>
         <p:spPr>
           <a:xfrm>
-            <a:off x="1562100" y="1190625"/>
+            <a:off x="1523999" y="1036008"/>
             <a:ext cx="9144000" cy="461665"/>
           </a:xfrm>
           <a:prstGeom prst="rect">
@@ -4681,7 +5296,7 @@
           <a:p>
             <a:r>
               <a:rPr lang="en-US" sz="2400" b="1" dirty="0"/>
-              <a:t>Access Python as needed!</a:t>
+              <a:t>Access Python with the newly duplicated .exe file name!</a:t>
             </a:r>
             <a:endParaRPr lang="he-IL" sz="2400" b="1" dirty="0"/>
           </a:p>
@@ -4691,6 +5306,152 @@
     <p:extLst>
       <p:ext uri="{BB962C8B-B14F-4D97-AF65-F5344CB8AC3E}">
         <p14:creationId xmlns:p14="http://schemas.microsoft.com/office/powerpoint/2010/main" val="3600787689"/>
+      </p:ext>
+    </p:extLst>
+  </p:cSld>
+  <p:clrMapOvr>
+    <a:masterClrMapping/>
+  </p:clrMapOvr>
+</p:sld>
+</file>
+
+<file path=ppt/slides/slide9.xml><?xml version="1.0" encoding="utf-8"?>
+<p:sld xmlns:a="http://schemas.openxmlformats.org/drawingml/2006/main" xmlns:r="http://schemas.openxmlformats.org/officeDocument/2006/relationships" xmlns:p="http://schemas.openxmlformats.org/presentationml/2006/main">
+  <p:cSld>
+    <p:spTree>
+      <p:nvGrpSpPr>
+        <p:cNvPr id="1" name=""/>
+        <p:cNvGrpSpPr/>
+        <p:nvPr/>
+      </p:nvGrpSpPr>
+      <p:grpSpPr>
+        <a:xfrm>
+          <a:off x="0" y="0"/>
+          <a:ext cx="0" cy="0"/>
+          <a:chOff x="0" y="0"/>
+          <a:chExt cx="0" cy="0"/>
+        </a:xfrm>
+      </p:grpSpPr>
+      <p:sp>
+        <p:nvSpPr>
+          <p:cNvPr id="2" name="Title 1">
+            <a:extLst>
+              <a:ext uri="{FF2B5EF4-FFF2-40B4-BE49-F238E27FC236}">
+                <a16:creationId xmlns:a16="http://schemas.microsoft.com/office/drawing/2014/main" id="{57AB7373-F1DF-4B04-80DE-FF18EDED7D5B}"/>
+              </a:ext>
+            </a:extLst>
+          </p:cNvPr>
+          <p:cNvSpPr>
+            <a:spLocks noGrp="1"/>
+          </p:cNvSpPr>
+          <p:nvPr>
+            <p:ph type="title"/>
+          </p:nvPr>
+        </p:nvSpPr>
+        <p:spPr/>
+        <p:txBody>
+          <a:bodyPr/>
+          <a:lstStyle/>
+          <a:p>
+            <a:r>
+              <a:rPr lang="en-US" sz="4400" dirty="0"/>
+              <a:t>Set up </a:t>
+            </a:r>
+            <a:r>
+              <a:rPr lang="en-US" sz="4400" dirty="0" err="1"/>
+              <a:t>ZVPython</a:t>
+            </a:r>
+            <a:r>
+              <a:rPr lang="en-US" sz="4400" dirty="0"/>
+              <a:t> app</a:t>
+            </a:r>
+            <a:endParaRPr lang="he-IL" dirty="0"/>
+          </a:p>
+        </p:txBody>
+      </p:sp>
+      <p:sp>
+        <p:nvSpPr>
+          <p:cNvPr id="4" name="TextBox 3">
+            <a:extLst>
+              <a:ext uri="{FF2B5EF4-FFF2-40B4-BE49-F238E27FC236}">
+                <a16:creationId xmlns:a16="http://schemas.microsoft.com/office/drawing/2014/main" id="{8C334C11-3E2B-4485-83C7-E3906A1EBDFB}"/>
+              </a:ext>
+            </a:extLst>
+          </p:cNvPr>
+          <p:cNvSpPr txBox="1"/>
+          <p:nvPr/>
+        </p:nvSpPr>
+        <p:spPr>
+          <a:xfrm>
+            <a:off x="728133" y="1490133"/>
+            <a:ext cx="9321800" cy="2677656"/>
+          </a:xfrm>
+          <a:prstGeom prst="rect">
+            <a:avLst/>
+          </a:prstGeom>
+          <a:noFill/>
+        </p:spPr>
+        <p:txBody>
+          <a:bodyPr wrap="square" rtlCol="1">
+            <a:spAutoFit/>
+          </a:bodyPr>
+          <a:lstStyle/>
+          <a:p>
+            <a:r>
+              <a:rPr lang="en-US" sz="2400" dirty="0"/>
+              <a:t>1</a:t>
+            </a:r>
+            <a:r>
+              <a:rPr lang="en-US" sz="2400" baseline="30000" dirty="0"/>
+              <a:t>st</a:t>
+            </a:r>
+            <a:r>
+              <a:rPr lang="en-US" sz="2400" dirty="0"/>
+              <a:t> step – </a:t>
+            </a:r>
+            <a:r>
+              <a:rPr lang="en-US" sz="2400" b="1" dirty="0"/>
+              <a:t>set up Python interpreter as documented in the beginning of the presentation.</a:t>
+            </a:r>
+          </a:p>
+          <a:p>
+            <a:endParaRPr lang="en-US" sz="2400" b="1" dirty="0"/>
+          </a:p>
+          <a:p>
+            <a:r>
+              <a:rPr lang="en-US" sz="2400" dirty="0"/>
+              <a:t>2</a:t>
+            </a:r>
+            <a:r>
+              <a:rPr lang="en-US" sz="2400" baseline="30000" dirty="0"/>
+              <a:t>nd</a:t>
+            </a:r>
+            <a:r>
+              <a:rPr lang="en-US" sz="2400" dirty="0"/>
+              <a:t> step – </a:t>
+            </a:r>
+            <a:r>
+              <a:rPr lang="en-US" sz="2400" b="1" dirty="0"/>
+              <a:t>Modify the batch template as needed, and add source code and requirements.txt file.  Copy all that to the server destination – ‘C\Program files\</a:t>
+            </a:r>
+            <a:r>
+              <a:rPr lang="en-US" sz="2400" b="1" dirty="0" err="1"/>
+              <a:t>ZVPython</a:t>
+            </a:r>
+            <a:r>
+              <a:rPr lang="en-US" sz="2400" b="1" dirty="0"/>
+              <a:t>’</a:t>
+            </a:r>
+          </a:p>
+          <a:p>
+            <a:endParaRPr lang="he-IL" sz="2400" dirty="0"/>
+          </a:p>
+        </p:txBody>
+      </p:sp>
+    </p:spTree>
+    <p:extLst>
+      <p:ext uri="{BB962C8B-B14F-4D97-AF65-F5344CB8AC3E}">
+        <p14:creationId xmlns:p14="http://schemas.microsoft.com/office/powerpoint/2010/main" val="238855549"/>
       </p:ext>
     </p:extLst>
   </p:cSld>
